--- a/Front-end/public/powerpoint/Description.pptx
+++ b/Front-end/public/powerpoint/Description.pptx
@@ -164,7 +164,7 @@
           <a:p>
             <a:fld id="{E69B9EE9-F3BF-4B40-83E7-C9BC68FDDB0E}" type="datetimeFigureOut">
               <a:rPr lang="en-US" smtClean="0"/>
-              <a:t>20/11/2024</a:t>
+              <a:t>23/11/2024</a:t>
             </a:fld>
             <a:endParaRPr lang="en-US"/>
           </a:p>
@@ -317,7 +317,7 @@
           <a:p>
             <a:fld id="{E69B9EE9-F3BF-4B40-83E7-C9BC68FDDB0E}" type="datetimeFigureOut">
               <a:rPr lang="en-US" smtClean="0"/>
-              <a:t>20/11/2024</a:t>
+              <a:t>23/11/2024</a:t>
             </a:fld>
             <a:endParaRPr lang="en-US"/>
           </a:p>
@@ -549,7 +549,7 @@
           <a:p>
             <a:fld id="{E69B9EE9-F3BF-4B40-83E7-C9BC68FDDB0E}" type="datetimeFigureOut">
               <a:rPr lang="en-US" smtClean="0"/>
-              <a:t>20/11/2024</a:t>
+              <a:t>23/11/2024</a:t>
             </a:fld>
             <a:endParaRPr lang="en-US"/>
           </a:p>
@@ -852,7 +852,7 @@
           <a:p>
             <a:fld id="{E69B9EE9-F3BF-4B40-83E7-C9BC68FDDB0E}" type="datetimeFigureOut">
               <a:rPr lang="en-US" smtClean="0"/>
-              <a:t>20/11/2024</a:t>
+              <a:t>23/11/2024</a:t>
             </a:fld>
             <a:endParaRPr lang="en-US"/>
           </a:p>
@@ -1062,7 +1062,7 @@
           <a:p>
             <a:fld id="{E69B9EE9-F3BF-4B40-83E7-C9BC68FDDB0E}" type="datetimeFigureOut">
               <a:rPr lang="en-US" smtClean="0"/>
-              <a:t>20/11/2024</a:t>
+              <a:t>23/11/2024</a:t>
             </a:fld>
             <a:endParaRPr lang="en-US"/>
           </a:p>
@@ -1171,10 +1171,10 @@
       </p:grpSpPr>
       <p:sp>
         <p:nvSpPr>
-          <p:cNvPr id="7" name="9Slide.vn - 2019">
-            <a:extLst>
-              <a:ext uri="{FF2B5EF4-FFF2-40B4-BE49-F238E27FC236}">
-                <a16:creationId xmlns:a16="http://schemas.microsoft.com/office/drawing/2014/main" id="{856E15ED-62ED-1CE1-D9AC-06C39AE26F85}"/>
+          <p:cNvPr id="8" name="9Slide.vn - 2019">
+            <a:extLst>
+              <a:ext uri="{FF2B5EF4-FFF2-40B4-BE49-F238E27FC236}">
+                <a16:creationId xmlns:a16="http://schemas.microsoft.com/office/drawing/2014/main" id="{20D5C28A-F88E-EA4E-7DD6-742A6D6A22D3}"/>
               </a:ext>
             </a:extLst>
           </p:cNvPr>
@@ -1355,7 +1355,7 @@
           <a:p>
             <a:fld id="{E69B9EE9-F3BF-4B40-83E7-C9BC68FDDB0E}" type="datetimeFigureOut">
               <a:rPr lang="en-US" smtClean="0"/>
-              <a:t>20/11/2024</a:t>
+              <a:t>23/11/2024</a:t>
             </a:fld>
             <a:endParaRPr lang="en-US"/>
           </a:p>
